--- a/11.Heat Engines.pptx
+++ b/11.Heat Engines.pptx
@@ -6207,7 +6207,7 @@
               <a:rPr lang="en-US" kern="0" dirty="0">
                 <a:hlinkClick r:id="rId2"/>
               </a:rPr>
-              <a:t>Example 3</a:t>
+              <a:t>Solution</a:t>
             </a:r>
             <a:endParaRPr lang="en-US" kern="0" dirty="0">
               <a:latin typeface="Arial"/>
@@ -6531,10 +6531,10 @@
               </a:spcAft>
             </a:pPr>
             <a:r>
-              <a:rPr lang="en-US" kern="0" dirty="0">
+              <a:rPr lang="en-US" kern="0">
                 <a:hlinkClick r:id="rId2"/>
               </a:rPr>
-              <a:t>Example 4</a:t>
+              <a:t>Solution</a:t>
             </a:r>
             <a:endParaRPr lang="en-US" kern="0" dirty="0">
               <a:latin typeface="Arial"/>
@@ -9232,7 +9232,7 @@
               <a:rPr lang="en-US" kern="0" dirty="0">
                 <a:hlinkClick r:id="rId3"/>
               </a:rPr>
-              <a:t>Example 1</a:t>
+              <a:t>Solution</a:t>
             </a:r>
             <a:endParaRPr lang="en-US" kern="0" dirty="0">
               <a:latin typeface="Arial"/>
@@ -9590,7 +9590,7 @@
               <a:rPr lang="en-US" kern="0" dirty="0">
                 <a:hlinkClick r:id="rId3"/>
               </a:rPr>
-              <a:t>Example 2</a:t>
+              <a:t>Solution</a:t>
             </a:r>
             <a:endParaRPr lang="en-US" kern="0" dirty="0">
               <a:latin typeface="Arial"/>
